--- a/material/학교 자료/기타 자료/논문 그림.pptx
+++ b/material/학교 자료/기타 자료/논문 그림.pptx
@@ -198,7 +198,7 @@
           <a:p>
             <a:fld id="{29E48034-6025-406F-ADAA-A1FA25636A81}" type="datetimeFigureOut">
               <a:rPr lang="ko-KR" altLang="en-US" smtClean="0"/>
-              <a:t>2024-02-16</a:t>
+              <a:t>2024-06-12</a:t>
             </a:fld>
             <a:endParaRPr lang="ko-KR" altLang="en-US"/>
           </a:p>
@@ -597,18 +597,6 @@
           <a:bodyPr/>
           <a:lstStyle/>
           <a:p>
-            <a:r>
-              <a:rPr lang="en-US" altLang="ko-KR"/>
-              <a:t>2</a:t>
-            </a:r>
-            <a:r>
-              <a:rPr lang="en-US" altLang="ko-KR" baseline="30000"/>
-              <a:t>nd</a:t>
-            </a:r>
-            <a:r>
-              <a:rPr lang="en-US" altLang="ko-KR"/>
-              <a:t> Question for Biology 1 of The Korean CSAT 2022</a:t>
-            </a:r>
             <a:endParaRPr lang="ko-KR" altLang="en-US"/>
           </a:p>
         </p:txBody>
@@ -796,7 +784,7 @@
           <a:p>
             <a:fld id="{D40904F4-9ED9-435A-BAD9-01D508E59754}" type="datetimeFigureOut">
               <a:rPr lang="ko-KR" altLang="en-US" smtClean="0"/>
-              <a:t>2024-02-16</a:t>
+              <a:t>2024-06-12</a:t>
             </a:fld>
             <a:endParaRPr lang="ko-KR" altLang="en-US"/>
           </a:p>
@@ -994,7 +982,7 @@
           <a:p>
             <a:fld id="{D40904F4-9ED9-435A-BAD9-01D508E59754}" type="datetimeFigureOut">
               <a:rPr lang="ko-KR" altLang="en-US" smtClean="0"/>
-              <a:t>2024-02-16</a:t>
+              <a:t>2024-06-12</a:t>
             </a:fld>
             <a:endParaRPr lang="ko-KR" altLang="en-US"/>
           </a:p>
@@ -1202,7 +1190,7 @@
           <a:p>
             <a:fld id="{D40904F4-9ED9-435A-BAD9-01D508E59754}" type="datetimeFigureOut">
               <a:rPr lang="ko-KR" altLang="en-US" smtClean="0"/>
-              <a:t>2024-02-16</a:t>
+              <a:t>2024-06-12</a:t>
             </a:fld>
             <a:endParaRPr lang="ko-KR" altLang="en-US"/>
           </a:p>
@@ -1400,7 +1388,7 @@
           <a:p>
             <a:fld id="{D40904F4-9ED9-435A-BAD9-01D508E59754}" type="datetimeFigureOut">
               <a:rPr lang="ko-KR" altLang="en-US" smtClean="0"/>
-              <a:t>2024-02-16</a:t>
+              <a:t>2024-06-12</a:t>
             </a:fld>
             <a:endParaRPr lang="ko-KR" altLang="en-US"/>
           </a:p>
@@ -1675,7 +1663,7 @@
           <a:p>
             <a:fld id="{D40904F4-9ED9-435A-BAD9-01D508E59754}" type="datetimeFigureOut">
               <a:rPr lang="ko-KR" altLang="en-US" smtClean="0"/>
-              <a:t>2024-02-16</a:t>
+              <a:t>2024-06-12</a:t>
             </a:fld>
             <a:endParaRPr lang="ko-KR" altLang="en-US"/>
           </a:p>
@@ -1940,7 +1928,7 @@
           <a:p>
             <a:fld id="{D40904F4-9ED9-435A-BAD9-01D508E59754}" type="datetimeFigureOut">
               <a:rPr lang="ko-KR" altLang="en-US" smtClean="0"/>
-              <a:t>2024-02-16</a:t>
+              <a:t>2024-06-12</a:t>
             </a:fld>
             <a:endParaRPr lang="ko-KR" altLang="en-US"/>
           </a:p>
@@ -2352,7 +2340,7 @@
           <a:p>
             <a:fld id="{D40904F4-9ED9-435A-BAD9-01D508E59754}" type="datetimeFigureOut">
               <a:rPr lang="ko-KR" altLang="en-US" smtClean="0"/>
-              <a:t>2024-02-16</a:t>
+              <a:t>2024-06-12</a:t>
             </a:fld>
             <a:endParaRPr lang="ko-KR" altLang="en-US"/>
           </a:p>
@@ -2493,7 +2481,7 @@
           <a:p>
             <a:fld id="{D40904F4-9ED9-435A-BAD9-01D508E59754}" type="datetimeFigureOut">
               <a:rPr lang="ko-KR" altLang="en-US" smtClean="0"/>
-              <a:t>2024-02-16</a:t>
+              <a:t>2024-06-12</a:t>
             </a:fld>
             <a:endParaRPr lang="ko-KR" altLang="en-US"/>
           </a:p>
@@ -2606,7 +2594,7 @@
           <a:p>
             <a:fld id="{D40904F4-9ED9-435A-BAD9-01D508E59754}" type="datetimeFigureOut">
               <a:rPr lang="ko-KR" altLang="en-US" smtClean="0"/>
-              <a:t>2024-02-16</a:t>
+              <a:t>2024-06-12</a:t>
             </a:fld>
             <a:endParaRPr lang="ko-KR" altLang="en-US"/>
           </a:p>
@@ -2917,7 +2905,7 @@
           <a:p>
             <a:fld id="{D40904F4-9ED9-435A-BAD9-01D508E59754}" type="datetimeFigureOut">
               <a:rPr lang="ko-KR" altLang="en-US" smtClean="0"/>
-              <a:t>2024-02-16</a:t>
+              <a:t>2024-06-12</a:t>
             </a:fld>
             <a:endParaRPr lang="ko-KR" altLang="en-US"/>
           </a:p>
@@ -3205,7 +3193,7 @@
           <a:p>
             <a:fld id="{D40904F4-9ED9-435A-BAD9-01D508E59754}" type="datetimeFigureOut">
               <a:rPr lang="ko-KR" altLang="en-US" smtClean="0"/>
-              <a:t>2024-02-16</a:t>
+              <a:t>2024-06-12</a:t>
             </a:fld>
             <a:endParaRPr lang="ko-KR" altLang="en-US"/>
           </a:p>
@@ -3446,7 +3434,7 @@
           <a:p>
             <a:fld id="{D40904F4-9ED9-435A-BAD9-01D508E59754}" type="datetimeFigureOut">
               <a:rPr lang="ko-KR" altLang="en-US" smtClean="0"/>
-              <a:t>2024-02-16</a:t>
+              <a:t>2024-06-12</a:t>
             </a:fld>
             <a:endParaRPr lang="ko-KR" altLang="en-US"/>
           </a:p>
@@ -5001,57 +4989,22 @@
           <a:chExt cx="0" cy="0"/>
         </a:xfrm>
       </p:grpSpPr>
-      <p:pic>
-        <p:nvPicPr>
-          <p:cNvPr id="5" name="내용 개체 틀 4" descr="텍스트, 스크린샷, 폰트, 번호이(가) 표시된 사진&#10;&#10;자동 생성된 설명">
-            <a:extLst>
-              <a:ext uri="{FF2B5EF4-FFF2-40B4-BE49-F238E27FC236}">
-                <a16:creationId xmlns:a16="http://schemas.microsoft.com/office/drawing/2014/main" id="{1B657E44-2025-69A5-5AF6-73511ACCBBCF}"/>
-              </a:ext>
-            </a:extLst>
-          </p:cNvPr>
-          <p:cNvPicPr>
-            <a:picLocks noGrp="1" noChangeAspect="1"/>
-          </p:cNvPicPr>
-          <p:nvPr>
-            <p:ph idx="1"/>
-          </p:nvPr>
-        </p:nvPicPr>
-        <p:blipFill>
-          <a:blip r:embed="rId3">
-            <a:extLst>
-              <a:ext uri="{28A0092B-C50C-407E-A947-70E740481C1C}">
-                <a14:useLocalDpi xmlns:a14="http://schemas.microsoft.com/office/drawing/2010/main" val="0"/>
-              </a:ext>
-            </a:extLst>
-          </a:blip>
-          <a:stretch>
-            <a:fillRect/>
-          </a:stretch>
-        </p:blipFill>
+      <p:sp>
+        <p:nvSpPr>
+          <p:cNvPr id="6" name="사각형: 둥근 모서리 5">
+            <a:extLst>
+              <a:ext uri="{FF2B5EF4-FFF2-40B4-BE49-F238E27FC236}">
+                <a16:creationId xmlns:a16="http://schemas.microsoft.com/office/drawing/2014/main" id="{4C83C189-44DA-BDAB-4457-C6DC071DA832}"/>
+              </a:ext>
+            </a:extLst>
+          </p:cNvPr>
+          <p:cNvSpPr/>
+          <p:nvPr/>
+        </p:nvSpPr>
         <p:spPr>
           <a:xfrm>
-            <a:off x="853663" y="686910"/>
-            <a:ext cx="5171800" cy="4171416"/>
-          </a:xfrm>
-        </p:spPr>
-      </p:pic>
-      <p:sp>
-        <p:nvSpPr>
-          <p:cNvPr id="6" name="사각형: 둥근 모서리 5">
-            <a:extLst>
-              <a:ext uri="{FF2B5EF4-FFF2-40B4-BE49-F238E27FC236}">
-                <a16:creationId xmlns:a16="http://schemas.microsoft.com/office/drawing/2014/main" id="{4C83C189-44DA-BDAB-4457-C6DC071DA832}"/>
-              </a:ext>
-            </a:extLst>
-          </p:cNvPr>
-          <p:cNvSpPr/>
-          <p:nvPr/>
-        </p:nvSpPr>
-        <p:spPr>
-          <a:xfrm>
-            <a:off x="1019392" y="783392"/>
-            <a:ext cx="4919590" cy="814499"/>
+            <a:off x="853664" y="757992"/>
+            <a:ext cx="4919590" cy="1061166"/>
           </a:xfrm>
           <a:prstGeom prst="roundRect">
             <a:avLst/>
@@ -5156,7 +5109,7 @@
         <p:spPr>
           <a:xfrm>
             <a:off x="6290946" y="1564806"/>
-            <a:ext cx="2049709" cy="1207812"/>
+            <a:ext cx="2049710" cy="2369885"/>
           </a:xfrm>
           <a:prstGeom prst="straightConnector1">
             <a:avLst/>
@@ -5198,7 +5151,7 @@
         </p:nvSpPr>
         <p:spPr>
           <a:xfrm>
-            <a:off x="7915783" y="2666851"/>
+            <a:off x="7915783" y="3858340"/>
             <a:ext cx="424873" cy="2063902"/>
           </a:xfrm>
           <a:prstGeom prst="leftBrace">
@@ -5252,7 +5205,7 @@
         </p:nvSpPr>
         <p:spPr>
           <a:xfrm>
-            <a:off x="8433020" y="2444820"/>
+            <a:off x="8433020" y="3636309"/>
             <a:ext cx="2154299" cy="2335175"/>
           </a:xfrm>
           <a:prstGeom prst="rect">
@@ -5337,7 +5290,7 @@
         </p:nvSpPr>
         <p:spPr>
           <a:xfrm>
-            <a:off x="7051600" y="1995054"/>
+            <a:off x="7066309" y="2999660"/>
             <a:ext cx="2917325" cy="584775"/>
           </a:xfrm>
           <a:prstGeom prst="rect">
@@ -5441,6 +5394,789 @@
           </a:fontRef>
         </p:style>
       </p:cxnSp>
+      <p:sp>
+        <p:nvSpPr>
+          <p:cNvPr id="3" name="TextBox 2">
+            <a:extLst>
+              <a:ext uri="{FF2B5EF4-FFF2-40B4-BE49-F238E27FC236}">
+                <a16:creationId xmlns:a16="http://schemas.microsoft.com/office/drawing/2014/main" id="{90C2BE46-1E33-8279-3006-C8442A465223}"/>
+              </a:ext>
+            </a:extLst>
+          </p:cNvPr>
+          <p:cNvSpPr txBox="1"/>
+          <p:nvPr/>
+        </p:nvSpPr>
+        <p:spPr>
+          <a:xfrm>
+            <a:off x="980899" y="788681"/>
+            <a:ext cx="4919590" cy="954107"/>
+          </a:xfrm>
+          <a:prstGeom prst="rect">
+            <a:avLst/>
+          </a:prstGeom>
+          <a:noFill/>
+        </p:spPr>
+        <p:txBody>
+          <a:bodyPr wrap="square">
+            <a:spAutoFit/>
+          </a:bodyPr>
+          <a:lstStyle/>
+          <a:p>
+            <a:r>
+              <a:rPr lang="en-US" altLang="ko-KR" sz="1400" b="1"/>
+              <a:t>2. </a:t>
+            </a:r>
+            <a:r>
+              <a:rPr lang="en-US" altLang="ko-KR" sz="1400"/>
+              <a:t>The table shows the waste products generated as a result of cellular respiration using nutrients α, β, and fats. α and β represent proteins and carbohydrates in no particular order.</a:t>
+            </a:r>
+            <a:endParaRPr lang="ko-KR" altLang="en-US" sz="1400"/>
+          </a:p>
+        </p:txBody>
+      </p:sp>
+      <p:graphicFrame>
+        <p:nvGraphicFramePr>
+          <p:cNvPr id="4" name="표 3">
+            <a:extLst>
+              <a:ext uri="{FF2B5EF4-FFF2-40B4-BE49-F238E27FC236}">
+                <a16:creationId xmlns:a16="http://schemas.microsoft.com/office/drawing/2014/main" id="{925529E0-2D1A-FF6E-9BA4-8E4D9BBD3A69}"/>
+              </a:ext>
+            </a:extLst>
+          </p:cNvPr>
+          <p:cNvGraphicFramePr>
+            <a:graphicFrameLocks noGrp="1"/>
+          </p:cNvGraphicFramePr>
+          <p:nvPr>
+            <p:extLst>
+              <p:ext uri="{D42A27DB-BD31-4B8C-83A1-F6EECF244321}">
+                <p14:modId xmlns:p14="http://schemas.microsoft.com/office/powerpoint/2010/main" val="1276962892"/>
+              </p:ext>
+            </p:extLst>
+          </p:nvPr>
+        </p:nvGraphicFramePr>
+        <p:xfrm>
+          <a:off x="1088709" y="1920929"/>
+          <a:ext cx="4449500" cy="1547031"/>
+        </p:xfrm>
+        <a:graphic>
+          <a:graphicData uri="http://schemas.openxmlformats.org/drawingml/2006/table">
+            <a:tbl>
+              <a:tblPr firstRow="1" bandRow="1">
+                <a:tableStyleId>{073A0DAA-6AF3-43AB-8588-CEC1D06C72B9}</a:tableStyleId>
+              </a:tblPr>
+              <a:tblGrid>
+                <a:gridCol w="1405109">
+                  <a:extLst>
+                    <a:ext uri="{9D8B030D-6E8A-4147-A177-3AD203B41FA5}">
+                      <a16:colId xmlns:a16="http://schemas.microsoft.com/office/drawing/2014/main" val="4250482843"/>
+                    </a:ext>
+                  </a:extLst>
+                </a:gridCol>
+                <a:gridCol w="3044391">
+                  <a:extLst>
+                    <a:ext uri="{9D8B030D-6E8A-4147-A177-3AD203B41FA5}">
+                      <a16:colId xmlns:a16="http://schemas.microsoft.com/office/drawing/2014/main" val="2827042098"/>
+                    </a:ext>
+                  </a:extLst>
+                </a:gridCol>
+              </a:tblGrid>
+              <a:tr h="342957">
+                <a:tc>
+                  <a:txBody>
+                    <a:bodyPr/>
+                    <a:lstStyle/>
+                    <a:p>
+                      <a:pPr algn="ctr" latinLnBrk="1"/>
+                      <a:r>
+                        <a:rPr lang="en-US" altLang="ko-KR" sz="1400">
+                          <a:solidFill>
+                            <a:schemeClr val="tx1"/>
+                          </a:solidFill>
+                        </a:rPr>
+                        <a:t>nutrients</a:t>
+                      </a:r>
+                      <a:endParaRPr lang="ko-KR" altLang="en-US" sz="1400">
+                        <a:solidFill>
+                          <a:schemeClr val="tx1"/>
+                        </a:solidFill>
+                      </a:endParaRPr>
+                    </a:p>
+                  </a:txBody>
+                  <a:tcPr>
+                    <a:lnL w="12700" cap="flat" cmpd="sng" algn="ctr">
+                      <a:solidFill>
+                        <a:schemeClr val="tx1"/>
+                      </a:solidFill>
+                      <a:prstDash val="solid"/>
+                      <a:round/>
+                      <a:headEnd type="none" w="med" len="med"/>
+                      <a:tailEnd type="none" w="med" len="med"/>
+                    </a:lnL>
+                    <a:lnR w="12700" cap="flat" cmpd="sng" algn="ctr">
+                      <a:solidFill>
+                        <a:schemeClr val="tx1"/>
+                      </a:solidFill>
+                      <a:prstDash val="solid"/>
+                      <a:round/>
+                      <a:headEnd type="none" w="med" len="med"/>
+                      <a:tailEnd type="none" w="med" len="med"/>
+                    </a:lnR>
+                    <a:lnT w="12700" cap="flat" cmpd="sng" algn="ctr">
+                      <a:solidFill>
+                        <a:schemeClr val="tx1"/>
+                      </a:solidFill>
+                      <a:prstDash val="solid"/>
+                      <a:round/>
+                      <a:headEnd type="none" w="med" len="med"/>
+                      <a:tailEnd type="none" w="med" len="med"/>
+                    </a:lnT>
+                    <a:lnB w="12700" cap="flat" cmpd="sng" algn="ctr">
+                      <a:solidFill>
+                        <a:schemeClr val="tx1"/>
+                      </a:solidFill>
+                      <a:prstDash val="solid"/>
+                      <a:round/>
+                      <a:headEnd type="none" w="med" len="med"/>
+                      <a:tailEnd type="none" w="med" len="med"/>
+                    </a:lnB>
+                    <a:lnTlToBr w="12700" cmpd="sng">
+                      <a:noFill/>
+                      <a:prstDash val="solid"/>
+                    </a:lnTlToBr>
+                    <a:lnBlToTr w="12700" cmpd="sng">
+                      <a:noFill/>
+                      <a:prstDash val="solid"/>
+                    </a:lnBlToTr>
+                    <a:noFill/>
+                  </a:tcPr>
+                </a:tc>
+                <a:tc>
+                  <a:txBody>
+                    <a:bodyPr/>
+                    <a:lstStyle/>
+                    <a:p>
+                      <a:pPr algn="ctr" latinLnBrk="1"/>
+                      <a:r>
+                        <a:rPr lang="en-US" altLang="ko-KR" sz="1400">
+                          <a:solidFill>
+                            <a:schemeClr val="tx1"/>
+                          </a:solidFill>
+                        </a:rPr>
+                        <a:t>waste products</a:t>
+                      </a:r>
+                      <a:endParaRPr lang="ko-KR" altLang="en-US" sz="1400">
+                        <a:solidFill>
+                          <a:schemeClr val="tx1"/>
+                        </a:solidFill>
+                      </a:endParaRPr>
+                    </a:p>
+                  </a:txBody>
+                  <a:tcPr>
+                    <a:lnL w="12700" cap="flat" cmpd="sng" algn="ctr">
+                      <a:solidFill>
+                        <a:schemeClr val="tx1"/>
+                      </a:solidFill>
+                      <a:prstDash val="solid"/>
+                      <a:round/>
+                      <a:headEnd type="none" w="med" len="med"/>
+                      <a:tailEnd type="none" w="med" len="med"/>
+                    </a:lnL>
+                    <a:lnR w="12700" cap="flat" cmpd="sng" algn="ctr">
+                      <a:solidFill>
+                        <a:schemeClr val="tx1"/>
+                      </a:solidFill>
+                      <a:prstDash val="solid"/>
+                      <a:round/>
+                      <a:headEnd type="none" w="med" len="med"/>
+                      <a:tailEnd type="none" w="med" len="med"/>
+                    </a:lnR>
+                    <a:lnT w="12700" cap="flat" cmpd="sng" algn="ctr">
+                      <a:solidFill>
+                        <a:schemeClr val="tx1"/>
+                      </a:solidFill>
+                      <a:prstDash val="solid"/>
+                      <a:round/>
+                      <a:headEnd type="none" w="med" len="med"/>
+                      <a:tailEnd type="none" w="med" len="med"/>
+                    </a:lnT>
+                    <a:lnB w="12700" cap="flat" cmpd="sng" algn="ctr">
+                      <a:solidFill>
+                        <a:schemeClr val="tx1"/>
+                      </a:solidFill>
+                      <a:prstDash val="solid"/>
+                      <a:round/>
+                      <a:headEnd type="none" w="med" len="med"/>
+                      <a:tailEnd type="none" w="med" len="med"/>
+                    </a:lnB>
+                    <a:lnTlToBr w="12700" cmpd="sng">
+                      <a:noFill/>
+                      <a:prstDash val="solid"/>
+                    </a:lnTlToBr>
+                    <a:lnBlToTr w="12700" cmpd="sng">
+                      <a:noFill/>
+                      <a:prstDash val="solid"/>
+                    </a:lnBlToTr>
+                    <a:noFill/>
+                  </a:tcPr>
+                </a:tc>
+                <a:extLst>
+                  <a:ext uri="{0D108BD9-81ED-4DB2-BD59-A6C34878D82A}">
+                    <a16:rowId xmlns:a16="http://schemas.microsoft.com/office/drawing/2014/main" val="828385243"/>
+                  </a:ext>
+                </a:extLst>
+              </a:tr>
+              <a:tr h="342957">
+                <a:tc>
+                  <a:txBody>
+                    <a:bodyPr/>
+                    <a:lstStyle/>
+                    <a:p>
+                      <a:pPr algn="ctr" latinLnBrk="1"/>
+                      <a:r>
+                        <a:rPr lang="en-US" altLang="ko-KR" sz="1400"/>
+                        <a:t>α</a:t>
+                      </a:r>
+                      <a:endParaRPr lang="ko-KR" altLang="en-US" sz="1400">
+                        <a:solidFill>
+                          <a:schemeClr val="tx1"/>
+                        </a:solidFill>
+                      </a:endParaRPr>
+                    </a:p>
+                  </a:txBody>
+                  <a:tcPr anchor="ctr">
+                    <a:lnL w="12700" cap="flat" cmpd="sng" algn="ctr">
+                      <a:solidFill>
+                        <a:schemeClr val="tx1"/>
+                      </a:solidFill>
+                      <a:prstDash val="solid"/>
+                      <a:round/>
+                      <a:headEnd type="none" w="med" len="med"/>
+                      <a:tailEnd type="none" w="med" len="med"/>
+                    </a:lnL>
+                    <a:lnR w="12700" cap="flat" cmpd="sng" algn="ctr">
+                      <a:solidFill>
+                        <a:schemeClr val="tx1"/>
+                      </a:solidFill>
+                      <a:prstDash val="solid"/>
+                      <a:round/>
+                      <a:headEnd type="none" w="med" len="med"/>
+                      <a:tailEnd type="none" w="med" len="med"/>
+                    </a:lnR>
+                    <a:lnT w="12700" cap="flat" cmpd="sng" algn="ctr">
+                      <a:solidFill>
+                        <a:schemeClr val="tx1"/>
+                      </a:solidFill>
+                      <a:prstDash val="solid"/>
+                      <a:round/>
+                      <a:headEnd type="none" w="med" len="med"/>
+                      <a:tailEnd type="none" w="med" len="med"/>
+                    </a:lnT>
+                    <a:lnB w="12700" cap="flat" cmpd="sng" algn="ctr">
+                      <a:solidFill>
+                        <a:schemeClr val="tx1"/>
+                      </a:solidFill>
+                      <a:prstDash val="solid"/>
+                      <a:round/>
+                      <a:headEnd type="none" w="med" len="med"/>
+                      <a:tailEnd type="none" w="med" len="med"/>
+                    </a:lnB>
+                    <a:lnTlToBr w="12700" cmpd="sng">
+                      <a:noFill/>
+                      <a:prstDash val="solid"/>
+                    </a:lnTlToBr>
+                    <a:lnBlToTr w="12700" cmpd="sng">
+                      <a:noFill/>
+                      <a:prstDash val="solid"/>
+                    </a:lnBlToTr>
+                    <a:noFill/>
+                  </a:tcPr>
+                </a:tc>
+                <a:tc>
+                  <a:txBody>
+                    <a:bodyPr/>
+                    <a:lstStyle/>
+                    <a:p>
+                      <a:pPr algn="ctr" latinLnBrk="1"/>
+                      <a:r>
+                        <a:rPr lang="en-US" altLang="ko-KR" sz="1400"/>
+                        <a:t>water, carbon dioxide</a:t>
+                      </a:r>
+                      <a:endParaRPr lang="ko-KR" altLang="en-US" sz="1400">
+                        <a:solidFill>
+                          <a:schemeClr val="tx1"/>
+                        </a:solidFill>
+                      </a:endParaRPr>
+                    </a:p>
+                  </a:txBody>
+                  <a:tcPr anchor="ctr">
+                    <a:lnL w="12700" cap="flat" cmpd="sng" algn="ctr">
+                      <a:solidFill>
+                        <a:schemeClr val="tx1"/>
+                      </a:solidFill>
+                      <a:prstDash val="solid"/>
+                      <a:round/>
+                      <a:headEnd type="none" w="med" len="med"/>
+                      <a:tailEnd type="none" w="med" len="med"/>
+                    </a:lnL>
+                    <a:lnR w="12700" cap="flat" cmpd="sng" algn="ctr">
+                      <a:solidFill>
+                        <a:schemeClr val="tx1"/>
+                      </a:solidFill>
+                      <a:prstDash val="solid"/>
+                      <a:round/>
+                      <a:headEnd type="none" w="med" len="med"/>
+                      <a:tailEnd type="none" w="med" len="med"/>
+                    </a:lnR>
+                    <a:lnT w="12700" cap="flat" cmpd="sng" algn="ctr">
+                      <a:solidFill>
+                        <a:schemeClr val="tx1"/>
+                      </a:solidFill>
+                      <a:prstDash val="solid"/>
+                      <a:round/>
+                      <a:headEnd type="none" w="med" len="med"/>
+                      <a:tailEnd type="none" w="med" len="med"/>
+                    </a:lnT>
+                    <a:lnB w="12700" cap="flat" cmpd="sng" algn="ctr">
+                      <a:solidFill>
+                        <a:schemeClr val="tx1"/>
+                      </a:solidFill>
+                      <a:prstDash val="solid"/>
+                      <a:round/>
+                      <a:headEnd type="none" w="med" len="med"/>
+                      <a:tailEnd type="none" w="med" len="med"/>
+                    </a:lnB>
+                    <a:lnTlToBr w="12700" cmpd="sng">
+                      <a:noFill/>
+                      <a:prstDash val="solid"/>
+                    </a:lnTlToBr>
+                    <a:lnBlToTr w="12700" cmpd="sng">
+                      <a:noFill/>
+                      <a:prstDash val="solid"/>
+                    </a:lnBlToTr>
+                    <a:noFill/>
+                  </a:tcPr>
+                </a:tc>
+                <a:extLst>
+                  <a:ext uri="{0D108BD9-81ED-4DB2-BD59-A6C34878D82A}">
+                    <a16:rowId xmlns:a16="http://schemas.microsoft.com/office/drawing/2014/main" val="1540753493"/>
+                  </a:ext>
+                </a:extLst>
+              </a:tr>
+              <a:tr h="479200">
+                <a:tc>
+                  <a:txBody>
+                    <a:bodyPr/>
+                    <a:lstStyle/>
+                    <a:p>
+                      <a:pPr algn="ctr" latinLnBrk="1"/>
+                      <a:r>
+                        <a:rPr lang="en-US" altLang="ko-KR" sz="1400"/>
+                        <a:t>β</a:t>
+                      </a:r>
+                      <a:endParaRPr lang="ko-KR" altLang="en-US" sz="1400">
+                        <a:solidFill>
+                          <a:schemeClr val="tx1"/>
+                        </a:solidFill>
+                      </a:endParaRPr>
+                    </a:p>
+                  </a:txBody>
+                  <a:tcPr anchor="ctr">
+                    <a:lnL w="12700" cap="flat" cmpd="sng" algn="ctr">
+                      <a:solidFill>
+                        <a:schemeClr val="tx1"/>
+                      </a:solidFill>
+                      <a:prstDash val="solid"/>
+                      <a:round/>
+                      <a:headEnd type="none" w="med" len="med"/>
+                      <a:tailEnd type="none" w="med" len="med"/>
+                    </a:lnL>
+                    <a:lnR w="12700" cap="flat" cmpd="sng" algn="ctr">
+                      <a:solidFill>
+                        <a:schemeClr val="tx1"/>
+                      </a:solidFill>
+                      <a:prstDash val="solid"/>
+                      <a:round/>
+                      <a:headEnd type="none" w="med" len="med"/>
+                      <a:tailEnd type="none" w="med" len="med"/>
+                    </a:lnR>
+                    <a:lnT w="12700" cap="flat" cmpd="sng" algn="ctr">
+                      <a:solidFill>
+                        <a:schemeClr val="tx1"/>
+                      </a:solidFill>
+                      <a:prstDash val="solid"/>
+                      <a:round/>
+                      <a:headEnd type="none" w="med" len="med"/>
+                      <a:tailEnd type="none" w="med" len="med"/>
+                    </a:lnT>
+                    <a:lnB w="12700" cap="flat" cmpd="sng" algn="ctr">
+                      <a:solidFill>
+                        <a:schemeClr val="tx1"/>
+                      </a:solidFill>
+                      <a:prstDash val="solid"/>
+                      <a:round/>
+                      <a:headEnd type="none" w="med" len="med"/>
+                      <a:tailEnd type="none" w="med" len="med"/>
+                    </a:lnB>
+                    <a:lnTlToBr w="12700" cmpd="sng">
+                      <a:noFill/>
+                      <a:prstDash val="solid"/>
+                    </a:lnTlToBr>
+                    <a:lnBlToTr w="12700" cmpd="sng">
+                      <a:noFill/>
+                      <a:prstDash val="solid"/>
+                    </a:lnBlToTr>
+                    <a:noFill/>
+                  </a:tcPr>
+                </a:tc>
+                <a:tc>
+                  <a:txBody>
+                    <a:bodyPr/>
+                    <a:lstStyle/>
+                    <a:p>
+                      <a:pPr algn="ctr" latinLnBrk="1"/>
+                      <a:r>
+                        <a:rPr lang="en-US" altLang="ko-KR" sz="1400"/>
+                        <a:t>water, carbon dioxide, </a:t>
+                      </a:r>
+                    </a:p>
+                    <a:p>
+                      <a:pPr algn="ctr" latinLnBrk="1"/>
+                      <a:r>
+                        <a:rPr lang="ko-KR" altLang="en-US" sz="1400"/>
+                        <a:t>ⓐ</a:t>
+                      </a:r>
+                      <a:r>
+                        <a:rPr lang="ko-KR" altLang="en-US" sz="700"/>
+                        <a:t> </a:t>
+                      </a:r>
+                      <a:r>
+                        <a:rPr lang="en-US" altLang="ko-KR" sz="1400" u="sng"/>
+                        <a:t>ammonia</a:t>
+                      </a:r>
+                      <a:endParaRPr lang="ko-KR" altLang="en-US" sz="1400" u="sng">
+                        <a:solidFill>
+                          <a:schemeClr val="tx1"/>
+                        </a:solidFill>
+                      </a:endParaRPr>
+                    </a:p>
+                  </a:txBody>
+                  <a:tcPr anchor="ctr">
+                    <a:lnL w="12700" cap="flat" cmpd="sng" algn="ctr">
+                      <a:solidFill>
+                        <a:schemeClr val="tx1"/>
+                      </a:solidFill>
+                      <a:prstDash val="solid"/>
+                      <a:round/>
+                      <a:headEnd type="none" w="med" len="med"/>
+                      <a:tailEnd type="none" w="med" len="med"/>
+                    </a:lnL>
+                    <a:lnR w="12700" cap="flat" cmpd="sng" algn="ctr">
+                      <a:solidFill>
+                        <a:schemeClr val="tx1"/>
+                      </a:solidFill>
+                      <a:prstDash val="solid"/>
+                      <a:round/>
+                      <a:headEnd type="none" w="med" len="med"/>
+                      <a:tailEnd type="none" w="med" len="med"/>
+                    </a:lnR>
+                    <a:lnT w="12700" cap="flat" cmpd="sng" algn="ctr">
+                      <a:solidFill>
+                        <a:schemeClr val="tx1"/>
+                      </a:solidFill>
+                      <a:prstDash val="solid"/>
+                      <a:round/>
+                      <a:headEnd type="none" w="med" len="med"/>
+                      <a:tailEnd type="none" w="med" len="med"/>
+                    </a:lnT>
+                    <a:lnB w="12700" cap="flat" cmpd="sng" algn="ctr">
+                      <a:solidFill>
+                        <a:schemeClr val="tx1"/>
+                      </a:solidFill>
+                      <a:prstDash val="solid"/>
+                      <a:round/>
+                      <a:headEnd type="none" w="med" len="med"/>
+                      <a:tailEnd type="none" w="med" len="med"/>
+                    </a:lnB>
+                    <a:lnTlToBr w="12700" cmpd="sng">
+                      <a:noFill/>
+                      <a:prstDash val="solid"/>
+                    </a:lnTlToBr>
+                    <a:lnBlToTr w="12700" cmpd="sng">
+                      <a:noFill/>
+                      <a:prstDash val="solid"/>
+                    </a:lnBlToTr>
+                    <a:noFill/>
+                  </a:tcPr>
+                </a:tc>
+                <a:extLst>
+                  <a:ext uri="{0D108BD9-81ED-4DB2-BD59-A6C34878D82A}">
+                    <a16:rowId xmlns:a16="http://schemas.microsoft.com/office/drawing/2014/main" val="3752115181"/>
+                  </a:ext>
+                </a:extLst>
+              </a:tr>
+              <a:tr h="342957">
+                <a:tc>
+                  <a:txBody>
+                    <a:bodyPr/>
+                    <a:lstStyle/>
+                    <a:p>
+                      <a:pPr algn="ctr" latinLnBrk="1"/>
+                      <a:r>
+                        <a:rPr lang="en-US" altLang="ko-KR" sz="1400">
+                          <a:solidFill>
+                            <a:schemeClr val="tx1"/>
+                          </a:solidFill>
+                        </a:rPr>
+                        <a:t>fats</a:t>
+                      </a:r>
+                      <a:endParaRPr lang="ko-KR" altLang="en-US" sz="1400">
+                        <a:solidFill>
+                          <a:schemeClr val="tx1"/>
+                        </a:solidFill>
+                      </a:endParaRPr>
+                    </a:p>
+                  </a:txBody>
+                  <a:tcPr anchor="ctr">
+                    <a:lnL w="12700" cap="flat" cmpd="sng" algn="ctr">
+                      <a:solidFill>
+                        <a:schemeClr val="tx1"/>
+                      </a:solidFill>
+                      <a:prstDash val="solid"/>
+                      <a:round/>
+                      <a:headEnd type="none" w="med" len="med"/>
+                      <a:tailEnd type="none" w="med" len="med"/>
+                    </a:lnL>
+                    <a:lnR w="12700" cap="flat" cmpd="sng" algn="ctr">
+                      <a:solidFill>
+                        <a:schemeClr val="tx1"/>
+                      </a:solidFill>
+                      <a:prstDash val="solid"/>
+                      <a:round/>
+                      <a:headEnd type="none" w="med" len="med"/>
+                      <a:tailEnd type="none" w="med" len="med"/>
+                    </a:lnR>
+                    <a:lnT w="12700" cap="flat" cmpd="sng" algn="ctr">
+                      <a:solidFill>
+                        <a:schemeClr val="tx1"/>
+                      </a:solidFill>
+                      <a:prstDash val="solid"/>
+                      <a:round/>
+                      <a:headEnd type="none" w="med" len="med"/>
+                      <a:tailEnd type="none" w="med" len="med"/>
+                    </a:lnT>
+                    <a:lnB w="12700" cap="flat" cmpd="sng" algn="ctr">
+                      <a:solidFill>
+                        <a:schemeClr val="tx1"/>
+                      </a:solidFill>
+                      <a:prstDash val="solid"/>
+                      <a:round/>
+                      <a:headEnd type="none" w="med" len="med"/>
+                      <a:tailEnd type="none" w="med" len="med"/>
+                    </a:lnB>
+                    <a:lnTlToBr w="12700" cmpd="sng">
+                      <a:noFill/>
+                      <a:prstDash val="solid"/>
+                    </a:lnTlToBr>
+                    <a:lnBlToTr w="12700" cmpd="sng">
+                      <a:noFill/>
+                      <a:prstDash val="solid"/>
+                    </a:lnBlToTr>
+                    <a:noFill/>
+                  </a:tcPr>
+                </a:tc>
+                <a:tc>
+                  <a:txBody>
+                    <a:bodyPr/>
+                    <a:lstStyle/>
+                    <a:p>
+                      <a:pPr algn="ctr" latinLnBrk="1"/>
+                      <a:r>
+                        <a:rPr lang="en-US" altLang="ko-KR" sz="1400">
+                          <a:solidFill>
+                            <a:schemeClr val="tx1"/>
+                          </a:solidFill>
+                        </a:rPr>
+                        <a:t>?</a:t>
+                      </a:r>
+                      <a:endParaRPr lang="ko-KR" altLang="en-US" sz="1400">
+                        <a:solidFill>
+                          <a:schemeClr val="tx1"/>
+                        </a:solidFill>
+                      </a:endParaRPr>
+                    </a:p>
+                  </a:txBody>
+                  <a:tcPr anchor="ctr">
+                    <a:lnL w="12700" cap="flat" cmpd="sng" algn="ctr">
+                      <a:solidFill>
+                        <a:schemeClr val="tx1"/>
+                      </a:solidFill>
+                      <a:prstDash val="solid"/>
+                      <a:round/>
+                      <a:headEnd type="none" w="med" len="med"/>
+                      <a:tailEnd type="none" w="med" len="med"/>
+                    </a:lnL>
+                    <a:lnR w="12700" cap="flat" cmpd="sng" algn="ctr">
+                      <a:solidFill>
+                        <a:schemeClr val="tx1"/>
+                      </a:solidFill>
+                      <a:prstDash val="solid"/>
+                      <a:round/>
+                      <a:headEnd type="none" w="med" len="med"/>
+                      <a:tailEnd type="none" w="med" len="med"/>
+                    </a:lnR>
+                    <a:lnT w="12700" cap="flat" cmpd="sng" algn="ctr">
+                      <a:solidFill>
+                        <a:schemeClr val="tx1"/>
+                      </a:solidFill>
+                      <a:prstDash val="solid"/>
+                      <a:round/>
+                      <a:headEnd type="none" w="med" len="med"/>
+                      <a:tailEnd type="none" w="med" len="med"/>
+                    </a:lnT>
+                    <a:lnB w="12700" cap="flat" cmpd="sng" algn="ctr">
+                      <a:solidFill>
+                        <a:schemeClr val="tx1"/>
+                      </a:solidFill>
+                      <a:prstDash val="solid"/>
+                      <a:round/>
+                      <a:headEnd type="none" w="med" len="med"/>
+                      <a:tailEnd type="none" w="med" len="med"/>
+                    </a:lnB>
+                    <a:lnTlToBr w="12700" cmpd="sng">
+                      <a:noFill/>
+                      <a:prstDash val="solid"/>
+                    </a:lnTlToBr>
+                    <a:lnBlToTr w="12700" cmpd="sng">
+                      <a:noFill/>
+                      <a:prstDash val="solid"/>
+                    </a:lnBlToTr>
+                    <a:noFill/>
+                  </a:tcPr>
+                </a:tc>
+                <a:extLst>
+                  <a:ext uri="{0D108BD9-81ED-4DB2-BD59-A6C34878D82A}">
+                    <a16:rowId xmlns:a16="http://schemas.microsoft.com/office/drawing/2014/main" val="3662782430"/>
+                  </a:ext>
+                </a:extLst>
+              </a:tr>
+            </a:tbl>
+          </a:graphicData>
+        </a:graphic>
+      </p:graphicFrame>
+      <p:sp>
+        <p:nvSpPr>
+          <p:cNvPr id="7" name="TextBox 6">
+            <a:extLst>
+              <a:ext uri="{FF2B5EF4-FFF2-40B4-BE49-F238E27FC236}">
+                <a16:creationId xmlns:a16="http://schemas.microsoft.com/office/drawing/2014/main" id="{8EAB5A86-57B0-EDD5-F4B3-0F7A6E1A06A6}"/>
+              </a:ext>
+            </a:extLst>
+          </p:cNvPr>
+          <p:cNvSpPr txBox="1"/>
+          <p:nvPr/>
+        </p:nvSpPr>
+        <p:spPr>
+          <a:xfrm>
+            <a:off x="888538" y="3514614"/>
+            <a:ext cx="4919590" cy="3066930"/>
+          </a:xfrm>
+          <a:prstGeom prst="rect">
+            <a:avLst/>
+          </a:prstGeom>
+          <a:noFill/>
+        </p:spPr>
+        <p:txBody>
+          <a:bodyPr wrap="square">
+            <a:spAutoFit/>
+          </a:bodyPr>
+          <a:lstStyle/>
+          <a:p>
+            <a:r>
+              <a:rPr lang="en-US" altLang="ko-KR" sz="1400"/>
+              <a:t>"Which of the following statements about this is </a:t>
+            </a:r>
+            <a:r>
+              <a:rPr lang="en-US" altLang="ko-KR" sz="1400" b="1" u="sng"/>
+              <a:t>correct</a:t>
+            </a:r>
+            <a:r>
+              <a:rPr lang="en-US" altLang="ko-KR" sz="1400"/>
+              <a:t>?“</a:t>
+            </a:r>
+          </a:p>
+          <a:p>
+            <a:endParaRPr lang="en-US" altLang="ko-KR" sz="1400"/>
+          </a:p>
+          <a:p>
+            <a:pPr>
+              <a:lnSpc>
+                <a:spcPct val="150000"/>
+              </a:lnSpc>
+            </a:pPr>
+            <a:r>
+              <a:rPr lang="en-US" altLang="ko-KR" sz="1400"/>
+              <a:t>A) Nutrient </a:t>
+            </a:r>
+            <a:r>
+              <a:rPr lang="el-GR" altLang="ko-KR" sz="1400"/>
+              <a:t>α </a:t>
+            </a:r>
+            <a:r>
+              <a:rPr lang="en-US" altLang="ko-KR" sz="1400"/>
+              <a:t>represents proteins because proteins produce carbon dioxide and water.</a:t>
+            </a:r>
+          </a:p>
+          <a:p>
+            <a:pPr>
+              <a:lnSpc>
+                <a:spcPct val="150000"/>
+              </a:lnSpc>
+            </a:pPr>
+            <a:r>
+              <a:rPr lang="en-US" altLang="ko-KR" sz="1400"/>
+              <a:t>B) Nutrient </a:t>
+            </a:r>
+            <a:r>
+              <a:rPr lang="el-GR" altLang="ko-KR" sz="1400"/>
+              <a:t>β </a:t>
+            </a:r>
+            <a:r>
+              <a:rPr lang="en-US" altLang="ko-KR" sz="1400"/>
+              <a:t>represents carbohydrates because carbohydrates produce ammonia as a waste product.</a:t>
+            </a:r>
+          </a:p>
+          <a:p>
+            <a:pPr>
+              <a:lnSpc>
+                <a:spcPct val="150000"/>
+              </a:lnSpc>
+            </a:pPr>
+            <a:r>
+              <a:rPr lang="en-US" altLang="ko-KR" sz="1400"/>
+              <a:t>C) Fats produce only water and carbon dioxide as waste products.</a:t>
+            </a:r>
+          </a:p>
+          <a:p>
+            <a:pPr>
+              <a:lnSpc>
+                <a:spcPct val="150000"/>
+              </a:lnSpc>
+            </a:pPr>
+            <a:r>
+              <a:rPr lang="en-US" altLang="ko-KR" sz="1400"/>
+              <a:t>D) Nutrient </a:t>
+            </a:r>
+            <a:r>
+              <a:rPr lang="el-GR" altLang="ko-KR" sz="1400"/>
+              <a:t>α </a:t>
+            </a:r>
+            <a:r>
+              <a:rPr lang="en-US" altLang="ko-KR" sz="1400"/>
+              <a:t>represents carbohydrates because carbohydrates produce carbon dioxide and water.</a:t>
+            </a:r>
+          </a:p>
+        </p:txBody>
+      </p:sp>
     </p:spTree>
     <p:extLst>
       <p:ext uri="{BB962C8B-B14F-4D97-AF65-F5344CB8AC3E}">
